--- a/4/Muster.pptx
+++ b/4/Muster.pptx
@@ -5,12 +5,16 @@
     <p:sldMasterId id="2147483648" r:id="rId1"/>
   </p:sldMasterIdLst>
   <p:notesMasterIdLst>
-    <p:notesMasterId r:id="rId5"/>
+    <p:notesMasterId r:id="rId9"/>
   </p:notesMasterIdLst>
   <p:sldIdLst>
     <p:sldId id="280" r:id="rId2"/>
     <p:sldId id="341" r:id="rId3"/>
     <p:sldId id="342" r:id="rId4"/>
+    <p:sldId id="343" r:id="rId5"/>
+    <p:sldId id="344" r:id="rId6"/>
+    <p:sldId id="345" r:id="rId7"/>
+    <p:sldId id="346" r:id="rId8"/>
   </p:sldIdLst>
   <p:sldSz cx="9144000" cy="6858000" type="screen4x3"/>
   <p:notesSz cx="6858000" cy="9144000"/>
@@ -4641,6 +4645,17 @@
               <a:rPr lang="en-GB" altLang="en-US" sz="4800" dirty="0"/>
               <a:t>Seafloor Geodesy</a:t>
             </a:r>
+            <a:br>
+              <a:rPr lang="en-GB" altLang="en-US" sz="4800" dirty="0"/>
+            </a:br>
+            <a:br>
+              <a:rPr lang="en-GB" altLang="en-US" sz="4800" dirty="0"/>
+            </a:br>
+            <a:r>
+              <a:rPr lang="en-GB" altLang="en-US" sz="3600" b="1" dirty="0"/>
+              <a:t>Monterey GSSM Pressure </a:t>
+            </a:r>
+            <a:endParaRPr lang="en-GB" altLang="en-US" sz="4800" b="1" dirty="0"/>
           </a:p>
         </p:txBody>
       </p:sp>
@@ -4856,7 +4871,19 @@
             </a:pPr>
             <a:r>
               <a:rPr lang="de-DE" altLang="en-US" sz="1000" dirty="0"/>
-              <a:t>June. 17, Stuttgart</a:t>
+              <a:t>June. </a:t>
+            </a:r>
+            <a:r>
+              <a:rPr lang="en-US" altLang="zh-CN" sz="1000"/>
+              <a:t>24</a:t>
+            </a:r>
+            <a:r>
+              <a:rPr lang="de-DE" altLang="en-US" sz="1000"/>
+              <a:t>, </a:t>
+            </a:r>
+            <a:r>
+              <a:rPr lang="de-DE" altLang="en-US" sz="1000" dirty="0"/>
+              <a:t>Stuttgart</a:t>
             </a:r>
           </a:p>
         </p:txBody>
@@ -5071,7 +5098,7 @@
                 <a:latin typeface="Arial" panose="020B0604020202020204" pitchFamily="34" charset="0"/>
                 <a:cs typeface="Arial" panose="020B0604020202020204" pitchFamily="34" charset="0"/>
               </a:rPr>
-              <a:t>Geodetic and Seismic Sensor Module (GSSM)</a:t>
+              <a:t>Possible Unit Problem</a:t>
             </a:r>
             <a:endParaRPr lang="zh-CN" altLang="en-US" sz="3600" b="1" dirty="0">
               <a:latin typeface="Arial" panose="020B0604020202020204" pitchFamily="34" charset="0"/>
@@ -5240,372 +5267,95 @@
           </a:p>
         </p:txBody>
       </p:sp>
-      <p:graphicFrame>
-        <p:nvGraphicFramePr>
-          <p:cNvPr id="3" name="表格 3">
+      <p:sp>
+        <p:nvSpPr>
+          <p:cNvPr id="13" name="内容占位符 12">
             <a:extLst>
               <a:ext uri="{FF2B5EF4-FFF2-40B4-BE49-F238E27FC236}">
-                <a16:creationId xmlns:a16="http://schemas.microsoft.com/office/drawing/2014/main" id="{704C4700-AFC1-4ECD-8B39-EC584827E546}"/>
+                <a16:creationId xmlns:a16="http://schemas.microsoft.com/office/drawing/2014/main" id="{FD360D16-7C3F-4265-8C99-E4498FDE7561}"/>
               </a:ext>
             </a:extLst>
           </p:cNvPr>
-          <p:cNvGraphicFramePr>
-            <a:graphicFrameLocks noGrp="1"/>
-          </p:cNvGraphicFramePr>
+          <p:cNvSpPr>
+            <a:spLocks noGrp="1"/>
+          </p:cNvSpPr>
           <p:nvPr>
             <p:ph idx="1"/>
-            <p:extLst>
-              <p:ext uri="{D42A27DB-BD31-4B8C-83A1-F6EECF244321}">
-                <p14:modId xmlns:p14="http://schemas.microsoft.com/office/powerpoint/2010/main" val="3339207381"/>
-              </p:ext>
-            </p:extLst>
-          </p:nvPr>
-        </p:nvGraphicFramePr>
-        <p:xfrm>
-          <a:off x="685800" y="1219200"/>
-          <a:ext cx="7772400" cy="2392680"/>
-        </p:xfrm>
-        <a:graphic>
-          <a:graphicData uri="http://schemas.openxmlformats.org/drawingml/2006/table">
-            <a:tbl>
-              <a:tblPr firstRow="1" bandRow="1">
-                <a:tableStyleId>{5C22544A-7EE6-4342-B048-85BDC9FD1C3A}</a:tableStyleId>
-              </a:tblPr>
-              <a:tblGrid>
-                <a:gridCol w="2590800">
-                  <a:extLst>
-                    <a:ext uri="{9D8B030D-6E8A-4147-A177-3AD203B41FA5}">
-                      <a16:colId xmlns:a16="http://schemas.microsoft.com/office/drawing/2014/main" val="325879554"/>
-                    </a:ext>
-                  </a:extLst>
-                </a:gridCol>
-                <a:gridCol w="2590800">
-                  <a:extLst>
-                    <a:ext uri="{9D8B030D-6E8A-4147-A177-3AD203B41FA5}">
-                      <a16:colId xmlns:a16="http://schemas.microsoft.com/office/drawing/2014/main" val="3011746680"/>
-                    </a:ext>
-                  </a:extLst>
-                </a:gridCol>
-                <a:gridCol w="2590800">
-                  <a:extLst>
-                    <a:ext uri="{9D8B030D-6E8A-4147-A177-3AD203B41FA5}">
-                      <a16:colId xmlns:a16="http://schemas.microsoft.com/office/drawing/2014/main" val="1850391828"/>
-                    </a:ext>
-                  </a:extLst>
-                </a:gridCol>
-              </a:tblGrid>
-              <a:tr h="370840">
-                <a:tc>
-                  <a:txBody>
-                    <a:bodyPr/>
-                    <a:lstStyle/>
-                    <a:p>
-                      <a:r>
-                        <a:rPr lang="en-US" altLang="zh-CN" dirty="0"/>
-                        <a:t>Instrument</a:t>
-                      </a:r>
-                      <a:endParaRPr lang="zh-CN" altLang="en-US" dirty="0"/>
-                    </a:p>
-                  </a:txBody>
-                  <a:tcPr/>
-                </a:tc>
-                <a:tc>
-                  <a:txBody>
-                    <a:bodyPr/>
-                    <a:lstStyle/>
-                    <a:p>
-                      <a:r>
-                        <a:rPr lang="en-US" altLang="zh-CN" dirty="0"/>
-                        <a:t>Observations</a:t>
-                      </a:r>
-                      <a:endParaRPr lang="zh-CN" altLang="en-US" dirty="0"/>
-                    </a:p>
-                  </a:txBody>
-                  <a:tcPr/>
-                </a:tc>
-                <a:tc>
-                  <a:txBody>
-                    <a:bodyPr/>
-                    <a:lstStyle/>
-                    <a:p>
-                      <a:r>
-                        <a:rPr lang="en-US" altLang="zh-CN" dirty="0"/>
-                        <a:t>Unit</a:t>
-                      </a:r>
-                      <a:endParaRPr lang="zh-CN" altLang="en-US" dirty="0"/>
-                    </a:p>
-                  </a:txBody>
-                  <a:tcPr/>
-                </a:tc>
-                <a:extLst>
-                  <a:ext uri="{0D108BD9-81ED-4DB2-BD59-A6C34878D82A}">
-                    <a16:rowId xmlns:a16="http://schemas.microsoft.com/office/drawing/2014/main" val="2535256923"/>
-                  </a:ext>
-                </a:extLst>
-              </a:tr>
-              <a:tr h="370840">
-                <a:tc>
-                  <a:txBody>
-                    <a:bodyPr/>
-                    <a:lstStyle/>
-                    <a:p>
-                      <a:r>
-                        <a:rPr lang="en-US" altLang="zh-CN" dirty="0"/>
-                        <a:t>Pressure gauge *2</a:t>
-                      </a:r>
-                      <a:endParaRPr lang="zh-CN" altLang="en-US" dirty="0"/>
-                    </a:p>
-                  </a:txBody>
-                  <a:tcPr/>
-                </a:tc>
-                <a:tc>
-                  <a:txBody>
-                    <a:bodyPr/>
-                    <a:lstStyle/>
-                    <a:p>
-                      <a:r>
-                        <a:rPr lang="en-US" altLang="zh-CN" dirty="0"/>
-                        <a:t>Pressure </a:t>
-                      </a:r>
-                      <a:endParaRPr lang="zh-CN" altLang="en-US" dirty="0"/>
-                    </a:p>
-                  </a:txBody>
-                  <a:tcPr/>
-                </a:tc>
-                <a:tc>
-                  <a:txBody>
-                    <a:bodyPr/>
-                    <a:lstStyle/>
-                    <a:p>
-                      <a:r>
-                        <a:rPr lang="en-US" altLang="zh-CN" dirty="0" err="1"/>
-                        <a:t>hpa</a:t>
-                      </a:r>
-                      <a:endParaRPr lang="zh-CN" altLang="en-US" dirty="0"/>
-                    </a:p>
-                  </a:txBody>
-                  <a:tcPr/>
-                </a:tc>
-                <a:extLst>
-                  <a:ext uri="{0D108BD9-81ED-4DB2-BD59-A6C34878D82A}">
-                    <a16:rowId xmlns:a16="http://schemas.microsoft.com/office/drawing/2014/main" val="1626163817"/>
-                  </a:ext>
-                </a:extLst>
-              </a:tr>
-              <a:tr h="370840">
-                <a:tc>
-                  <a:txBody>
-                    <a:bodyPr/>
-                    <a:lstStyle/>
-                    <a:p>
-                      <a:r>
-                        <a:rPr lang="en-US" altLang="zh-CN" dirty="0"/>
-                        <a:t>Barometer </a:t>
-                      </a:r>
-                    </a:p>
-                    <a:p>
-                      <a:r>
-                        <a:rPr lang="en-US" altLang="zh-CN" dirty="0"/>
-                        <a:t>(</a:t>
-                      </a:r>
-                      <a:r>
-                        <a:rPr lang="en-US" altLang="zh-CN" dirty="0" err="1"/>
-                        <a:t>internel</a:t>
-                      </a:r>
-                      <a:r>
-                        <a:rPr lang="en-US" altLang="zh-CN" dirty="0"/>
-                        <a:t> pressure)</a:t>
-                      </a:r>
-                      <a:endParaRPr lang="zh-CN" altLang="en-US" dirty="0"/>
-                    </a:p>
-                  </a:txBody>
-                  <a:tcPr/>
-                </a:tc>
-                <a:tc>
-                  <a:txBody>
-                    <a:bodyPr/>
-                    <a:lstStyle/>
-                    <a:p>
-                      <a:r>
-                        <a:rPr lang="en-US" altLang="zh-CN" dirty="0"/>
-                        <a:t>Pressure </a:t>
-                      </a:r>
-                      <a:endParaRPr lang="zh-CN" altLang="en-US" dirty="0"/>
-                    </a:p>
-                  </a:txBody>
-                  <a:tcPr/>
-                </a:tc>
-                <a:tc>
-                  <a:txBody>
-                    <a:bodyPr/>
-                    <a:lstStyle/>
-                    <a:p>
-                      <a:r>
-                        <a:rPr lang="en-US" altLang="zh-CN" dirty="0" err="1"/>
-                        <a:t>hpa</a:t>
-                      </a:r>
-                      <a:endParaRPr lang="zh-CN" altLang="en-US" dirty="0"/>
-                    </a:p>
-                  </a:txBody>
-                  <a:tcPr/>
-                </a:tc>
-                <a:extLst>
-                  <a:ext uri="{0D108BD9-81ED-4DB2-BD59-A6C34878D82A}">
-                    <a16:rowId xmlns:a16="http://schemas.microsoft.com/office/drawing/2014/main" val="3703299832"/>
-                  </a:ext>
-                </a:extLst>
-              </a:tr>
-              <a:tr h="370840">
-                <a:tc>
-                  <a:txBody>
-                    <a:bodyPr/>
-                    <a:lstStyle/>
-                    <a:p>
-                      <a:r>
-                        <a:rPr lang="en-US" altLang="zh-CN" dirty="0"/>
-                        <a:t>Accelerometer</a:t>
-                      </a:r>
-                      <a:endParaRPr lang="zh-CN" altLang="en-US" dirty="0"/>
-                    </a:p>
-                  </a:txBody>
-                  <a:tcPr/>
-                </a:tc>
-                <a:tc>
-                  <a:txBody>
-                    <a:bodyPr/>
-                    <a:lstStyle/>
-                    <a:p>
-                      <a:r>
-                        <a:rPr lang="en-US" altLang="zh-CN" dirty="0"/>
-                        <a:t>Acceleration </a:t>
-                      </a:r>
-                      <a:endParaRPr lang="zh-CN" altLang="en-US" dirty="0"/>
-                    </a:p>
-                  </a:txBody>
-                  <a:tcPr/>
-                </a:tc>
-                <a:tc>
-                  <a:txBody>
-                    <a:bodyPr/>
-                    <a:lstStyle/>
-                    <a:p>
-                      <a:r>
-                        <a:rPr lang="en-US" altLang="zh-CN" dirty="0"/>
-                        <a:t>m/s^2</a:t>
-                      </a:r>
-                      <a:endParaRPr lang="zh-CN" altLang="en-US" dirty="0"/>
-                    </a:p>
-                  </a:txBody>
-                  <a:tcPr/>
-                </a:tc>
-                <a:extLst>
-                  <a:ext uri="{0D108BD9-81ED-4DB2-BD59-A6C34878D82A}">
-                    <a16:rowId xmlns:a16="http://schemas.microsoft.com/office/drawing/2014/main" val="530061356"/>
-                  </a:ext>
-                </a:extLst>
-              </a:tr>
-              <a:tr h="370840">
-                <a:tc>
-                  <a:txBody>
-                    <a:bodyPr/>
-                    <a:lstStyle/>
-                    <a:p>
-                      <a:r>
-                        <a:rPr lang="en-US" altLang="zh-CN" dirty="0"/>
-                        <a:t>Temperature sensor *4</a:t>
-                      </a:r>
-                      <a:endParaRPr lang="zh-CN" altLang="en-US" dirty="0"/>
-                    </a:p>
-                  </a:txBody>
-                  <a:tcPr/>
-                </a:tc>
-                <a:tc>
-                  <a:txBody>
-                    <a:bodyPr/>
-                    <a:lstStyle/>
-                    <a:p>
-                      <a:r>
-                        <a:rPr lang="en-US" altLang="zh-CN" dirty="0"/>
-                        <a:t>Temperature </a:t>
-                      </a:r>
-                      <a:endParaRPr lang="zh-CN" altLang="en-US" dirty="0"/>
-                    </a:p>
-                  </a:txBody>
-                  <a:tcPr/>
-                </a:tc>
-                <a:tc>
-                  <a:txBody>
-                    <a:bodyPr/>
-                    <a:lstStyle/>
-                    <a:p>
-                      <a:r>
-                        <a:rPr lang="en-US" altLang="zh-CN" dirty="0" err="1"/>
-                        <a:t>Celcius</a:t>
-                      </a:r>
-                      <a:endParaRPr lang="zh-CN" altLang="en-US" dirty="0"/>
-                    </a:p>
-                  </a:txBody>
-                  <a:tcPr/>
-                </a:tc>
-                <a:extLst>
-                  <a:ext uri="{0D108BD9-81ED-4DB2-BD59-A6C34878D82A}">
-                    <a16:rowId xmlns:a16="http://schemas.microsoft.com/office/drawing/2014/main" val="3510817121"/>
-                  </a:ext>
-                </a:extLst>
-              </a:tr>
-            </a:tbl>
-          </a:graphicData>
-        </a:graphic>
-      </p:graphicFrame>
-      <p:sp>
-        <p:nvSpPr>
-          <p:cNvPr id="4" name="文本框 3">
+          </p:nvPr>
+        </p:nvSpPr>
+        <p:spPr/>
+        <p:txBody>
+          <a:bodyPr/>
+          <a:lstStyle/>
+          <a:p>
+            <a:r>
+              <a:rPr lang="en-US" altLang="zh-CN" dirty="0"/>
+              <a:t>Pressure offset = Gauge Pressure - Barometer</a:t>
+            </a:r>
+            <a:endParaRPr lang="zh-CN" altLang="en-US" dirty="0"/>
+          </a:p>
+        </p:txBody>
+      </p:sp>
+      <p:pic>
+        <p:nvPicPr>
+          <p:cNvPr id="15" name="图片 14">
             <a:extLst>
               <a:ext uri="{FF2B5EF4-FFF2-40B4-BE49-F238E27FC236}">
-                <a16:creationId xmlns:a16="http://schemas.microsoft.com/office/drawing/2014/main" id="{569E55E2-9141-41EE-B9BD-1DA0257F540F}"/>
+                <a16:creationId xmlns:a16="http://schemas.microsoft.com/office/drawing/2014/main" id="{B73590EA-079A-4512-AC8C-440E966BFEFB}"/>
               </a:ext>
             </a:extLst>
           </p:cNvPr>
-          <p:cNvSpPr txBox="1"/>
+          <p:cNvPicPr>
+            <a:picLocks noChangeAspect="1"/>
+          </p:cNvPicPr>
           <p:nvPr/>
-        </p:nvSpPr>
+        </p:nvPicPr>
+        <p:blipFill>
+          <a:blip r:embed="rId2"/>
+          <a:stretch>
+            <a:fillRect/>
+          </a:stretch>
+        </p:blipFill>
         <p:spPr>
           <a:xfrm>
-            <a:off x="685800" y="4391531"/>
-            <a:ext cx="7874463" cy="1077218"/>
+            <a:off x="570927" y="1766887"/>
+            <a:ext cx="4032449" cy="3324225"/>
           </a:xfrm>
           <a:prstGeom prst="rect">
             <a:avLst/>
           </a:prstGeom>
-          <a:noFill/>
-        </p:spPr>
-        <p:txBody>
-          <a:bodyPr wrap="none" rtlCol="0">
-            <a:spAutoFit/>
-          </a:bodyPr>
-          <a:lstStyle/>
-          <a:p>
-            <a:r>
-              <a:rPr lang="en-US" altLang="zh-CN" dirty="0"/>
-              <a:t>To estimate: pressure</a:t>
-            </a:r>
-            <a:r>
-              <a:rPr lang="zh-CN" altLang="en-US" dirty="0"/>
-              <a:t> </a:t>
-            </a:r>
-            <a:r>
-              <a:rPr lang="en-US" altLang="zh-CN" dirty="0"/>
-              <a:t>trend to representing the </a:t>
-            </a:r>
-          </a:p>
-          <a:p>
-            <a:r>
-              <a:rPr lang="en-US" altLang="zh-CN" dirty="0"/>
-              <a:t>vertical changes</a:t>
-            </a:r>
-          </a:p>
-        </p:txBody>
-      </p:sp>
+        </p:spPr>
+      </p:pic>
+      <p:pic>
+        <p:nvPicPr>
+          <p:cNvPr id="17" name="图片 16">
+            <a:extLst>
+              <a:ext uri="{FF2B5EF4-FFF2-40B4-BE49-F238E27FC236}">
+                <a16:creationId xmlns:a16="http://schemas.microsoft.com/office/drawing/2014/main" id="{C557748A-FD60-43DC-BF9E-B02EC74340C4}"/>
+              </a:ext>
+            </a:extLst>
+          </p:cNvPr>
+          <p:cNvPicPr>
+            <a:picLocks noChangeAspect="1"/>
+          </p:cNvPicPr>
+          <p:nvPr/>
+        </p:nvPicPr>
+        <p:blipFill>
+          <a:blip r:embed="rId3"/>
+          <a:stretch>
+            <a:fillRect/>
+          </a:stretch>
+        </p:blipFill>
+        <p:spPr>
+          <a:xfrm>
+            <a:off x="4715314" y="1676400"/>
+            <a:ext cx="4446862" cy="3733800"/>
+          </a:xfrm>
+          <a:prstGeom prst="rect">
+            <a:avLst/>
+          </a:prstGeom>
+        </p:spPr>
+      </p:pic>
     </p:spTree>
     <p:extLst>
       <p:ext uri="{BB962C8B-B14F-4D97-AF65-F5344CB8AC3E}">
@@ -5662,7 +5412,7 @@
                 <a:latin typeface="Arial" panose="020B0604020202020204" pitchFamily="34" charset="0"/>
                 <a:cs typeface="Arial" panose="020B0604020202020204" pitchFamily="34" charset="0"/>
               </a:rPr>
-              <a:t>To Obtain</a:t>
+              <a:t>Geodetic and Seismic Sensor Module (GSSM)</a:t>
             </a:r>
             <a:endParaRPr lang="zh-CN" altLang="en-US" sz="3600" b="1" dirty="0">
               <a:latin typeface="Arial" panose="020B0604020202020204" pitchFamily="34" charset="0"/>
@@ -5833,10 +5583,10 @@
       </p:sp>
       <p:sp>
         <p:nvSpPr>
-          <p:cNvPr id="4" name="内容占位符 3">
+          <p:cNvPr id="5" name="内容占位符 4">
             <a:extLst>
               <a:ext uri="{FF2B5EF4-FFF2-40B4-BE49-F238E27FC236}">
-                <a16:creationId xmlns:a16="http://schemas.microsoft.com/office/drawing/2014/main" id="{75C50C33-EE2B-470E-AD66-A53966B64D36}"/>
+                <a16:creationId xmlns:a16="http://schemas.microsoft.com/office/drawing/2014/main" id="{6ADCF86B-9366-4CDC-9A30-CBBCD17147B4}"/>
               </a:ext>
             </a:extLst>
           </p:cNvPr>
@@ -5854,78 +5604,1202 @@
           <a:p>
             <a:r>
               <a:rPr lang="en-US" altLang="zh-CN" dirty="0"/>
-              <a:t>Sea surface height (SSH) anomalies determined from satellite altimetry data ()collected by MBARI</a:t>
-            </a:r>
-          </a:p>
-          <a:p>
-            <a:pPr marL="0" indent="0">
-              <a:buNone/>
-            </a:pPr>
-            <a:r>
-              <a:rPr lang="en-US" altLang="zh-CN" dirty="0">
-                <a:hlinkClick r:id="rId2"/>
-              </a:rPr>
-              <a:t>https://www.mbari.org/products/data-repository/</a:t>
+              <a:t>Too much </a:t>
+            </a:r>
+            <a:r>
+              <a:rPr lang="en-US" altLang="zh-CN" dirty="0" err="1"/>
+              <a:t>NaN</a:t>
             </a:r>
             <a:r>
               <a:rPr lang="en-US" altLang="zh-CN" dirty="0"/>
-              <a:t> </a:t>
-            </a:r>
-          </a:p>
-          <a:p>
-            <a:pPr marL="0" indent="0">
-              <a:buNone/>
-            </a:pPr>
+              <a:t> or Outlier in one day -&gt; not using this day. (1350 from 1440 as threshold)</a:t>
+            </a:r>
+          </a:p>
+          <a:p>
+            <a:pPr lvl="1"/>
+            <a:r>
+              <a:rPr lang="en-US" altLang="zh-CN" dirty="0"/>
+              <a:t>1350 from 1440 as threshold</a:t>
+            </a:r>
+          </a:p>
+          <a:p>
+            <a:pPr lvl="1"/>
+            <a:r>
+              <a:rPr lang="en-US" altLang="zh-CN" dirty="0"/>
+              <a:t>34 days are filtered out.</a:t>
+            </a:r>
+          </a:p>
+          <a:p>
+            <a:pPr lvl="1"/>
             <a:endParaRPr lang="en-US" altLang="zh-CN" dirty="0"/>
           </a:p>
           <a:p>
-            <a:pPr marL="0" indent="0">
-              <a:buNone/>
-            </a:pPr>
             <a:r>
               <a:rPr lang="en-US" altLang="zh-CN" dirty="0"/>
-              <a:t>Estimating the pressure at the depth of the GSSM</a:t>
-            </a:r>
-          </a:p>
-          <a:p>
-            <a:pPr marL="0" indent="0">
-              <a:buNone/>
-            </a:pPr>
-            <a:endParaRPr lang="en-US" altLang="zh-CN" dirty="0"/>
-          </a:p>
-          <a:p>
-            <a:r>
-              <a:rPr lang="en-US" altLang="zh-CN" dirty="0"/>
-              <a:t>Predicted bottom pressures from WCOFS ocean circulation model at NOAA</a:t>
-            </a:r>
-          </a:p>
-          <a:p>
-            <a:pPr marL="0" indent="0">
-              <a:buNone/>
-            </a:pPr>
-            <a:r>
-              <a:rPr lang="en-US" altLang="zh-CN" dirty="0">
-                <a:hlinkClick r:id="rId3"/>
-              </a:rPr>
-              <a:t>https://tidesandcurrents.noaa.gov/products.html</a:t>
-            </a:r>
-            <a:r>
-              <a:rPr lang="en-US" altLang="zh-CN" dirty="0"/>
-              <a:t> </a:t>
-            </a:r>
-          </a:p>
-          <a:p>
-            <a:pPr marL="0" indent="0">
-              <a:buNone/>
-            </a:pPr>
-            <a:endParaRPr lang="zh-CN" altLang="en-US" dirty="0"/>
+              <a:t>Calculate the mean pressure of a single day</a:t>
+            </a:r>
           </a:p>
         </p:txBody>
       </p:sp>
     </p:spTree>
     <p:extLst>
       <p:ext uri="{BB962C8B-B14F-4D97-AF65-F5344CB8AC3E}">
-        <p14:creationId xmlns:p14="http://schemas.microsoft.com/office/powerpoint/2010/main" val="2236308108"/>
+        <p14:creationId xmlns:p14="http://schemas.microsoft.com/office/powerpoint/2010/main" val="725852685"/>
+      </p:ext>
+    </p:extLst>
+  </p:cSld>
+  <p:clrMapOvr>
+    <a:masterClrMapping/>
+  </p:clrMapOvr>
+</p:sld>
+</file>
+
+<file path=ppt/slides/slide4.xml><?xml version="1.0" encoding="utf-8"?>
+<p:sld xmlns:a="http://schemas.openxmlformats.org/drawingml/2006/main" xmlns:r="http://schemas.openxmlformats.org/officeDocument/2006/relationships" xmlns:p="http://schemas.openxmlformats.org/presentationml/2006/main">
+  <p:cSld>
+    <p:spTree>
+      <p:nvGrpSpPr>
+        <p:cNvPr id="1" name=""/>
+        <p:cNvGrpSpPr/>
+        <p:nvPr/>
+      </p:nvGrpSpPr>
+      <p:grpSpPr>
+        <a:xfrm>
+          <a:off x="0" y="0"/>
+          <a:ext cx="0" cy="0"/>
+          <a:chOff x="0" y="0"/>
+          <a:chExt cx="0" cy="0"/>
+        </a:xfrm>
+      </p:grpSpPr>
+      <p:sp>
+        <p:nvSpPr>
+          <p:cNvPr id="5122" name="标题 1">
+            <a:extLst>
+              <a:ext uri="{FF2B5EF4-FFF2-40B4-BE49-F238E27FC236}">
+                <a16:creationId xmlns:a16="http://schemas.microsoft.com/office/drawing/2014/main" id="{642DEB3C-240E-4909-B8A2-48B2D68C09AA}"/>
+              </a:ext>
+            </a:extLst>
+          </p:cNvPr>
+          <p:cNvSpPr>
+            <a:spLocks noGrp="1" noChangeArrowheads="1"/>
+          </p:cNvSpPr>
+          <p:nvPr>
+            <p:ph type="title"/>
+          </p:nvPr>
+        </p:nvSpPr>
+        <p:spPr/>
+        <p:txBody>
+          <a:bodyPr/>
+          <a:lstStyle/>
+          <a:p>
+            <a:r>
+              <a:rPr lang="en-US" altLang="zh-CN" sz="2000" b="1" i="0" u="none" strike="noStrike" baseline="0" dirty="0">
+                <a:latin typeface="Arial" panose="020B0604020202020204" pitchFamily="34" charset="0"/>
+                <a:cs typeface="Arial" panose="020B0604020202020204" pitchFamily="34" charset="0"/>
+              </a:rPr>
+              <a:t>Geodetic and Seismic Sensor Module (GSSM)</a:t>
+            </a:r>
+            <a:endParaRPr lang="zh-CN" altLang="en-US" sz="3600" b="1" dirty="0">
+              <a:latin typeface="Arial" panose="020B0604020202020204" pitchFamily="34" charset="0"/>
+              <a:ea typeface="宋体" panose="02010600030101010101" pitchFamily="2" charset="-122"/>
+              <a:cs typeface="Arial" panose="020B0604020202020204" pitchFamily="34" charset="0"/>
+            </a:endParaRPr>
+          </a:p>
+        </p:txBody>
+      </p:sp>
+      <p:sp>
+        <p:nvSpPr>
+          <p:cNvPr id="5126" name="灯片编号占位符 1">
+            <a:extLst>
+              <a:ext uri="{FF2B5EF4-FFF2-40B4-BE49-F238E27FC236}">
+                <a16:creationId xmlns:a16="http://schemas.microsoft.com/office/drawing/2014/main" id="{8E4D0E94-97AC-4DED-91D4-208828BE788A}"/>
+              </a:ext>
+            </a:extLst>
+          </p:cNvPr>
+          <p:cNvSpPr>
+            <a:spLocks noGrp="1" noChangeArrowheads="1"/>
+          </p:cNvSpPr>
+          <p:nvPr>
+            <p:ph type="sldNum" sz="quarter" idx="12"/>
+          </p:nvPr>
+        </p:nvSpPr>
+        <p:spPr>
+          <a:noFill/>
+          <a:ln/>
+          <a:extLst>
+            <a:ext uri="{909E8E84-426E-40DD-AFC4-6F175D3DCCD1}">
+              <a14:hiddenFill xmlns:a14="http://schemas.microsoft.com/office/drawing/2010/main">
+                <a:solidFill>
+                  <a:srgbClr val="FFFFFF"/>
+                </a:solidFill>
+              </a14:hiddenFill>
+            </a:ext>
+            <a:ext uri="{91240B29-F687-4F45-9708-019B960494DF}">
+              <a14:hiddenLine xmlns:a14="http://schemas.microsoft.com/office/drawing/2010/main" w="9525">
+                <a:solidFill>
+                  <a:srgbClr val="000000"/>
+                </a:solidFill>
+                <a:miter lim="800000"/>
+                <a:headEnd/>
+                <a:tailEnd/>
+              </a14:hiddenLine>
+            </a:ext>
+          </a:extLst>
+        </p:spPr>
+        <p:txBody>
+          <a:bodyPr/>
+          <a:lstStyle>
+            <a:lvl1pPr>
+              <a:defRPr sz="3200">
+                <a:solidFill>
+                  <a:schemeClr val="tx1"/>
+                </a:solidFill>
+                <a:latin typeface="Times New Roman" panose="02020603050405020304" pitchFamily="18" charset="0"/>
+              </a:defRPr>
+            </a:lvl1pPr>
+            <a:lvl2pPr marL="742950" indent="-285750">
+              <a:defRPr sz="3200">
+                <a:solidFill>
+                  <a:schemeClr val="tx1"/>
+                </a:solidFill>
+                <a:latin typeface="Times New Roman" panose="02020603050405020304" pitchFamily="18" charset="0"/>
+              </a:defRPr>
+            </a:lvl2pPr>
+            <a:lvl3pPr marL="1143000" indent="-228600">
+              <a:defRPr sz="3200">
+                <a:solidFill>
+                  <a:schemeClr val="tx1"/>
+                </a:solidFill>
+                <a:latin typeface="Times New Roman" panose="02020603050405020304" pitchFamily="18" charset="0"/>
+              </a:defRPr>
+            </a:lvl3pPr>
+            <a:lvl4pPr marL="1600200" indent="-228600">
+              <a:defRPr sz="3200">
+                <a:solidFill>
+                  <a:schemeClr val="tx1"/>
+                </a:solidFill>
+                <a:latin typeface="Times New Roman" panose="02020603050405020304" pitchFamily="18" charset="0"/>
+              </a:defRPr>
+            </a:lvl4pPr>
+            <a:lvl5pPr marL="2057400" indent="-228600">
+              <a:defRPr sz="3200">
+                <a:solidFill>
+                  <a:schemeClr val="tx1"/>
+                </a:solidFill>
+                <a:latin typeface="Times New Roman" panose="02020603050405020304" pitchFamily="18" charset="0"/>
+              </a:defRPr>
+            </a:lvl5pPr>
+            <a:lvl6pPr marL="2514600" indent="-228600" eaLnBrk="0" fontAlgn="base" hangingPunct="0">
+              <a:spcBef>
+                <a:spcPct val="0"/>
+              </a:spcBef>
+              <a:spcAft>
+                <a:spcPct val="0"/>
+              </a:spcAft>
+              <a:defRPr sz="3200">
+                <a:solidFill>
+                  <a:schemeClr val="tx1"/>
+                </a:solidFill>
+                <a:latin typeface="Times New Roman" panose="02020603050405020304" pitchFamily="18" charset="0"/>
+              </a:defRPr>
+            </a:lvl6pPr>
+            <a:lvl7pPr marL="2971800" indent="-228600" eaLnBrk="0" fontAlgn="base" hangingPunct="0">
+              <a:spcBef>
+                <a:spcPct val="0"/>
+              </a:spcBef>
+              <a:spcAft>
+                <a:spcPct val="0"/>
+              </a:spcAft>
+              <a:defRPr sz="3200">
+                <a:solidFill>
+                  <a:schemeClr val="tx1"/>
+                </a:solidFill>
+                <a:latin typeface="Times New Roman" panose="02020603050405020304" pitchFamily="18" charset="0"/>
+              </a:defRPr>
+            </a:lvl7pPr>
+            <a:lvl8pPr marL="3429000" indent="-228600" eaLnBrk="0" fontAlgn="base" hangingPunct="0">
+              <a:spcBef>
+                <a:spcPct val="0"/>
+              </a:spcBef>
+              <a:spcAft>
+                <a:spcPct val="0"/>
+              </a:spcAft>
+              <a:defRPr sz="3200">
+                <a:solidFill>
+                  <a:schemeClr val="tx1"/>
+                </a:solidFill>
+                <a:latin typeface="Times New Roman" panose="02020603050405020304" pitchFamily="18" charset="0"/>
+              </a:defRPr>
+            </a:lvl8pPr>
+            <a:lvl9pPr marL="3886200" indent="-228600" eaLnBrk="0" fontAlgn="base" hangingPunct="0">
+              <a:spcBef>
+                <a:spcPct val="0"/>
+              </a:spcBef>
+              <a:spcAft>
+                <a:spcPct val="0"/>
+              </a:spcAft>
+              <a:defRPr sz="3200">
+                <a:solidFill>
+                  <a:schemeClr val="tx1"/>
+                </a:solidFill>
+                <a:latin typeface="Times New Roman" panose="02020603050405020304" pitchFamily="18" charset="0"/>
+              </a:defRPr>
+            </a:lvl9pPr>
+          </a:lstStyle>
+          <a:p>
+            <a:fld id="{6D0A10ED-3AE5-4163-A166-BD1A2570B60D}" type="slidenum">
+              <a:rPr lang="de-DE" altLang="en-US" sz="1400" smtClean="0">
+                <a:solidFill>
+                  <a:srgbClr val="4D4D4D"/>
+                </a:solidFill>
+                <a:latin typeface="Univers" panose="020B0503020202020204" pitchFamily="34" charset="0"/>
+              </a:rPr>
+              <a:pPr/>
+              <a:t>4</a:t>
+            </a:fld>
+            <a:endParaRPr lang="de-DE" altLang="en-US" sz="1400">
+              <a:solidFill>
+                <a:srgbClr val="4D4D4D"/>
+              </a:solidFill>
+              <a:latin typeface="Univers" panose="020B0503020202020204" pitchFamily="34" charset="0"/>
+            </a:endParaRPr>
+          </a:p>
+        </p:txBody>
+      </p:sp>
+      <p:pic>
+        <p:nvPicPr>
+          <p:cNvPr id="3" name="内容占位符 2">
+            <a:extLst>
+              <a:ext uri="{FF2B5EF4-FFF2-40B4-BE49-F238E27FC236}">
+                <a16:creationId xmlns:a16="http://schemas.microsoft.com/office/drawing/2014/main" id="{A9432DA6-D126-4C63-8FC3-FFA8D840C0D1}"/>
+              </a:ext>
+            </a:extLst>
+          </p:cNvPr>
+          <p:cNvPicPr>
+            <a:picLocks noGrp="1" noChangeAspect="1"/>
+          </p:cNvPicPr>
+          <p:nvPr>
+            <p:ph idx="1"/>
+          </p:nvPr>
+        </p:nvPicPr>
+        <p:blipFill>
+          <a:blip r:embed="rId2"/>
+          <a:stretch>
+            <a:fillRect/>
+          </a:stretch>
+        </p:blipFill>
+        <p:spPr>
+          <a:xfrm>
+            <a:off x="685800" y="1629707"/>
+            <a:ext cx="7772400" cy="4058867"/>
+          </a:xfrm>
+        </p:spPr>
+      </p:pic>
+      <p:sp>
+        <p:nvSpPr>
+          <p:cNvPr id="4" name="文本框 3">
+            <a:extLst>
+              <a:ext uri="{FF2B5EF4-FFF2-40B4-BE49-F238E27FC236}">
+                <a16:creationId xmlns:a16="http://schemas.microsoft.com/office/drawing/2014/main" id="{F020FF46-E407-4BED-8B79-1FB0ED131566}"/>
+              </a:ext>
+            </a:extLst>
+          </p:cNvPr>
+          <p:cNvSpPr txBox="1"/>
+          <p:nvPr/>
+        </p:nvSpPr>
+        <p:spPr>
+          <a:xfrm>
+            <a:off x="685800" y="1044932"/>
+            <a:ext cx="4667240" cy="584775"/>
+          </a:xfrm>
+          <a:prstGeom prst="rect">
+            <a:avLst/>
+          </a:prstGeom>
+          <a:noFill/>
+        </p:spPr>
+        <p:txBody>
+          <a:bodyPr wrap="none" rtlCol="0">
+            <a:spAutoFit/>
+          </a:bodyPr>
+          <a:lstStyle/>
+          <a:p>
+            <a:r>
+              <a:rPr lang="en-US" altLang="zh-CN" dirty="0"/>
+              <a:t>Mean Pressure Time Series</a:t>
+            </a:r>
+            <a:endParaRPr lang="zh-CN" altLang="en-US" dirty="0"/>
+          </a:p>
+        </p:txBody>
+      </p:sp>
+      <p:sp>
+        <p:nvSpPr>
+          <p:cNvPr id="6" name="文本框 5">
+            <a:extLst>
+              <a:ext uri="{FF2B5EF4-FFF2-40B4-BE49-F238E27FC236}">
+                <a16:creationId xmlns:a16="http://schemas.microsoft.com/office/drawing/2014/main" id="{303114C9-DA75-4834-BB2F-503D31A21F1A}"/>
+              </a:ext>
+            </a:extLst>
+          </p:cNvPr>
+          <p:cNvSpPr txBox="1"/>
+          <p:nvPr/>
+        </p:nvSpPr>
+        <p:spPr>
+          <a:xfrm>
+            <a:off x="685800" y="6017567"/>
+            <a:ext cx="4136069" cy="461665"/>
+          </a:xfrm>
+          <a:prstGeom prst="rect">
+            <a:avLst/>
+          </a:prstGeom>
+          <a:noFill/>
+        </p:spPr>
+        <p:txBody>
+          <a:bodyPr wrap="none" rtlCol="0">
+            <a:spAutoFit/>
+          </a:bodyPr>
+          <a:lstStyle/>
+          <a:p>
+            <a:r>
+              <a:rPr lang="en-US" altLang="zh-CN" sz="2400" dirty="0"/>
+              <a:t>Maybe </a:t>
+            </a:r>
+            <a:r>
+              <a:rPr lang="en-US" altLang="zh-CN" sz="2400" dirty="0" err="1"/>
+              <a:t>fixiable</a:t>
+            </a:r>
+            <a:r>
+              <a:rPr lang="en-US" altLang="zh-CN" sz="2400" dirty="0"/>
+              <a:t> after corrections</a:t>
+            </a:r>
+            <a:endParaRPr lang="zh-CN" altLang="en-US" sz="2400" dirty="0"/>
+          </a:p>
+        </p:txBody>
+      </p:sp>
+    </p:spTree>
+    <p:extLst>
+      <p:ext uri="{BB962C8B-B14F-4D97-AF65-F5344CB8AC3E}">
+        <p14:creationId xmlns:p14="http://schemas.microsoft.com/office/powerpoint/2010/main" val="3493835393"/>
+      </p:ext>
+    </p:extLst>
+  </p:cSld>
+  <p:clrMapOvr>
+    <a:masterClrMapping/>
+  </p:clrMapOvr>
+</p:sld>
+</file>
+
+<file path=ppt/slides/slide5.xml><?xml version="1.0" encoding="utf-8"?>
+<p:sld xmlns:a="http://schemas.openxmlformats.org/drawingml/2006/main" xmlns:r="http://schemas.openxmlformats.org/officeDocument/2006/relationships" xmlns:p="http://schemas.openxmlformats.org/presentationml/2006/main">
+  <p:cSld>
+    <p:spTree>
+      <p:nvGrpSpPr>
+        <p:cNvPr id="1" name=""/>
+        <p:cNvGrpSpPr/>
+        <p:nvPr/>
+      </p:nvGrpSpPr>
+      <p:grpSpPr>
+        <a:xfrm>
+          <a:off x="0" y="0"/>
+          <a:ext cx="0" cy="0"/>
+          <a:chOff x="0" y="0"/>
+          <a:chExt cx="0" cy="0"/>
+        </a:xfrm>
+      </p:grpSpPr>
+      <p:sp>
+        <p:nvSpPr>
+          <p:cNvPr id="5122" name="标题 1">
+            <a:extLst>
+              <a:ext uri="{FF2B5EF4-FFF2-40B4-BE49-F238E27FC236}">
+                <a16:creationId xmlns:a16="http://schemas.microsoft.com/office/drawing/2014/main" id="{642DEB3C-240E-4909-B8A2-48B2D68C09AA}"/>
+              </a:ext>
+            </a:extLst>
+          </p:cNvPr>
+          <p:cNvSpPr>
+            <a:spLocks noGrp="1" noChangeArrowheads="1"/>
+          </p:cNvSpPr>
+          <p:nvPr>
+            <p:ph type="title"/>
+          </p:nvPr>
+        </p:nvSpPr>
+        <p:spPr/>
+        <p:txBody>
+          <a:bodyPr/>
+          <a:lstStyle/>
+          <a:p>
+            <a:r>
+              <a:rPr lang="en-US" altLang="zh-CN" sz="2000" b="1" i="0" u="none" strike="noStrike" baseline="0" dirty="0">
+                <a:latin typeface="Arial" panose="020B0604020202020204" pitchFamily="34" charset="0"/>
+                <a:cs typeface="Arial" panose="020B0604020202020204" pitchFamily="34" charset="0"/>
+              </a:rPr>
+              <a:t>Geodetic and Seismic Sensor Module (GSSM)</a:t>
+            </a:r>
+            <a:endParaRPr lang="zh-CN" altLang="en-US" sz="3600" b="1" dirty="0">
+              <a:latin typeface="Arial" panose="020B0604020202020204" pitchFamily="34" charset="0"/>
+              <a:ea typeface="宋体" panose="02010600030101010101" pitchFamily="2" charset="-122"/>
+              <a:cs typeface="Arial" panose="020B0604020202020204" pitchFamily="34" charset="0"/>
+            </a:endParaRPr>
+          </a:p>
+        </p:txBody>
+      </p:sp>
+      <p:sp>
+        <p:nvSpPr>
+          <p:cNvPr id="5126" name="灯片编号占位符 1">
+            <a:extLst>
+              <a:ext uri="{FF2B5EF4-FFF2-40B4-BE49-F238E27FC236}">
+                <a16:creationId xmlns:a16="http://schemas.microsoft.com/office/drawing/2014/main" id="{8E4D0E94-97AC-4DED-91D4-208828BE788A}"/>
+              </a:ext>
+            </a:extLst>
+          </p:cNvPr>
+          <p:cNvSpPr>
+            <a:spLocks noGrp="1" noChangeArrowheads="1"/>
+          </p:cNvSpPr>
+          <p:nvPr>
+            <p:ph type="sldNum" sz="quarter" idx="12"/>
+          </p:nvPr>
+        </p:nvSpPr>
+        <p:spPr>
+          <a:noFill/>
+          <a:ln/>
+          <a:extLst>
+            <a:ext uri="{909E8E84-426E-40DD-AFC4-6F175D3DCCD1}">
+              <a14:hiddenFill xmlns:a14="http://schemas.microsoft.com/office/drawing/2010/main">
+                <a:solidFill>
+                  <a:srgbClr val="FFFFFF"/>
+                </a:solidFill>
+              </a14:hiddenFill>
+            </a:ext>
+            <a:ext uri="{91240B29-F687-4F45-9708-019B960494DF}">
+              <a14:hiddenLine xmlns:a14="http://schemas.microsoft.com/office/drawing/2010/main" w="9525">
+                <a:solidFill>
+                  <a:srgbClr val="000000"/>
+                </a:solidFill>
+                <a:miter lim="800000"/>
+                <a:headEnd/>
+                <a:tailEnd/>
+              </a14:hiddenLine>
+            </a:ext>
+          </a:extLst>
+        </p:spPr>
+        <p:txBody>
+          <a:bodyPr/>
+          <a:lstStyle>
+            <a:lvl1pPr>
+              <a:defRPr sz="3200">
+                <a:solidFill>
+                  <a:schemeClr val="tx1"/>
+                </a:solidFill>
+                <a:latin typeface="Times New Roman" panose="02020603050405020304" pitchFamily="18" charset="0"/>
+              </a:defRPr>
+            </a:lvl1pPr>
+            <a:lvl2pPr marL="742950" indent="-285750">
+              <a:defRPr sz="3200">
+                <a:solidFill>
+                  <a:schemeClr val="tx1"/>
+                </a:solidFill>
+                <a:latin typeface="Times New Roman" panose="02020603050405020304" pitchFamily="18" charset="0"/>
+              </a:defRPr>
+            </a:lvl2pPr>
+            <a:lvl3pPr marL="1143000" indent="-228600">
+              <a:defRPr sz="3200">
+                <a:solidFill>
+                  <a:schemeClr val="tx1"/>
+                </a:solidFill>
+                <a:latin typeface="Times New Roman" panose="02020603050405020304" pitchFamily="18" charset="0"/>
+              </a:defRPr>
+            </a:lvl3pPr>
+            <a:lvl4pPr marL="1600200" indent="-228600">
+              <a:defRPr sz="3200">
+                <a:solidFill>
+                  <a:schemeClr val="tx1"/>
+                </a:solidFill>
+                <a:latin typeface="Times New Roman" panose="02020603050405020304" pitchFamily="18" charset="0"/>
+              </a:defRPr>
+            </a:lvl4pPr>
+            <a:lvl5pPr marL="2057400" indent="-228600">
+              <a:defRPr sz="3200">
+                <a:solidFill>
+                  <a:schemeClr val="tx1"/>
+                </a:solidFill>
+                <a:latin typeface="Times New Roman" panose="02020603050405020304" pitchFamily="18" charset="0"/>
+              </a:defRPr>
+            </a:lvl5pPr>
+            <a:lvl6pPr marL="2514600" indent="-228600" eaLnBrk="0" fontAlgn="base" hangingPunct="0">
+              <a:spcBef>
+                <a:spcPct val="0"/>
+              </a:spcBef>
+              <a:spcAft>
+                <a:spcPct val="0"/>
+              </a:spcAft>
+              <a:defRPr sz="3200">
+                <a:solidFill>
+                  <a:schemeClr val="tx1"/>
+                </a:solidFill>
+                <a:latin typeface="Times New Roman" panose="02020603050405020304" pitchFamily="18" charset="0"/>
+              </a:defRPr>
+            </a:lvl6pPr>
+            <a:lvl7pPr marL="2971800" indent="-228600" eaLnBrk="0" fontAlgn="base" hangingPunct="0">
+              <a:spcBef>
+                <a:spcPct val="0"/>
+              </a:spcBef>
+              <a:spcAft>
+                <a:spcPct val="0"/>
+              </a:spcAft>
+              <a:defRPr sz="3200">
+                <a:solidFill>
+                  <a:schemeClr val="tx1"/>
+                </a:solidFill>
+                <a:latin typeface="Times New Roman" panose="02020603050405020304" pitchFamily="18" charset="0"/>
+              </a:defRPr>
+            </a:lvl7pPr>
+            <a:lvl8pPr marL="3429000" indent="-228600" eaLnBrk="0" fontAlgn="base" hangingPunct="0">
+              <a:spcBef>
+                <a:spcPct val="0"/>
+              </a:spcBef>
+              <a:spcAft>
+                <a:spcPct val="0"/>
+              </a:spcAft>
+              <a:defRPr sz="3200">
+                <a:solidFill>
+                  <a:schemeClr val="tx1"/>
+                </a:solidFill>
+                <a:latin typeface="Times New Roman" panose="02020603050405020304" pitchFamily="18" charset="0"/>
+              </a:defRPr>
+            </a:lvl8pPr>
+            <a:lvl9pPr marL="3886200" indent="-228600" eaLnBrk="0" fontAlgn="base" hangingPunct="0">
+              <a:spcBef>
+                <a:spcPct val="0"/>
+              </a:spcBef>
+              <a:spcAft>
+                <a:spcPct val="0"/>
+              </a:spcAft>
+              <a:defRPr sz="3200">
+                <a:solidFill>
+                  <a:schemeClr val="tx1"/>
+                </a:solidFill>
+                <a:latin typeface="Times New Roman" panose="02020603050405020304" pitchFamily="18" charset="0"/>
+              </a:defRPr>
+            </a:lvl9pPr>
+          </a:lstStyle>
+          <a:p>
+            <a:fld id="{6D0A10ED-3AE5-4163-A166-BD1A2570B60D}" type="slidenum">
+              <a:rPr lang="de-DE" altLang="en-US" sz="1400" smtClean="0">
+                <a:solidFill>
+                  <a:srgbClr val="4D4D4D"/>
+                </a:solidFill>
+                <a:latin typeface="Univers" panose="020B0503020202020204" pitchFamily="34" charset="0"/>
+              </a:rPr>
+              <a:pPr/>
+              <a:t>5</a:t>
+            </a:fld>
+            <a:endParaRPr lang="de-DE" altLang="en-US" sz="1400">
+              <a:solidFill>
+                <a:srgbClr val="4D4D4D"/>
+              </a:solidFill>
+              <a:latin typeface="Univers" panose="020B0503020202020204" pitchFamily="34" charset="0"/>
+            </a:endParaRPr>
+          </a:p>
+        </p:txBody>
+      </p:sp>
+      <p:sp>
+        <p:nvSpPr>
+          <p:cNvPr id="5" name="内容占位符 4">
+            <a:extLst>
+              <a:ext uri="{FF2B5EF4-FFF2-40B4-BE49-F238E27FC236}">
+                <a16:creationId xmlns:a16="http://schemas.microsoft.com/office/drawing/2014/main" id="{6ADCF86B-9366-4CDC-9A30-CBBCD17147B4}"/>
+              </a:ext>
+            </a:extLst>
+          </p:cNvPr>
+          <p:cNvSpPr>
+            <a:spLocks noGrp="1"/>
+          </p:cNvSpPr>
+          <p:nvPr>
+            <p:ph idx="1"/>
+          </p:nvPr>
+        </p:nvSpPr>
+        <p:spPr/>
+        <p:txBody>
+          <a:bodyPr/>
+          <a:lstStyle/>
+          <a:p>
+            <a:r>
+              <a:rPr lang="en-US" altLang="zh-CN" dirty="0"/>
+              <a:t>Interpolating the time series</a:t>
+            </a:r>
+          </a:p>
+          <a:p>
+            <a:endParaRPr lang="en-US" altLang="zh-CN" dirty="0"/>
+          </a:p>
+          <a:p>
+            <a:r>
+              <a:rPr lang="en-US" altLang="zh-CN" dirty="0"/>
+              <a:t>Line fitting using least square.</a:t>
+            </a:r>
+            <a:endParaRPr lang="zh-CN" altLang="en-US" dirty="0"/>
+          </a:p>
+        </p:txBody>
+      </p:sp>
+    </p:spTree>
+    <p:extLst>
+      <p:ext uri="{BB962C8B-B14F-4D97-AF65-F5344CB8AC3E}">
+        <p14:creationId xmlns:p14="http://schemas.microsoft.com/office/powerpoint/2010/main" val="666222868"/>
+      </p:ext>
+    </p:extLst>
+  </p:cSld>
+  <p:clrMapOvr>
+    <a:masterClrMapping/>
+  </p:clrMapOvr>
+</p:sld>
+</file>
+
+<file path=ppt/slides/slide6.xml><?xml version="1.0" encoding="utf-8"?>
+<p:sld xmlns:a="http://schemas.openxmlformats.org/drawingml/2006/main" xmlns:r="http://schemas.openxmlformats.org/officeDocument/2006/relationships" xmlns:p="http://schemas.openxmlformats.org/presentationml/2006/main">
+  <p:cSld>
+    <p:spTree>
+      <p:nvGrpSpPr>
+        <p:cNvPr id="1" name=""/>
+        <p:cNvGrpSpPr/>
+        <p:nvPr/>
+      </p:nvGrpSpPr>
+      <p:grpSpPr>
+        <a:xfrm>
+          <a:off x="0" y="0"/>
+          <a:ext cx="0" cy="0"/>
+          <a:chOff x="0" y="0"/>
+          <a:chExt cx="0" cy="0"/>
+        </a:xfrm>
+      </p:grpSpPr>
+      <p:sp>
+        <p:nvSpPr>
+          <p:cNvPr id="5122" name="标题 1">
+            <a:extLst>
+              <a:ext uri="{FF2B5EF4-FFF2-40B4-BE49-F238E27FC236}">
+                <a16:creationId xmlns:a16="http://schemas.microsoft.com/office/drawing/2014/main" id="{642DEB3C-240E-4909-B8A2-48B2D68C09AA}"/>
+              </a:ext>
+            </a:extLst>
+          </p:cNvPr>
+          <p:cNvSpPr>
+            <a:spLocks noGrp="1" noChangeArrowheads="1"/>
+          </p:cNvSpPr>
+          <p:nvPr>
+            <p:ph type="title"/>
+          </p:nvPr>
+        </p:nvSpPr>
+        <p:spPr/>
+        <p:txBody>
+          <a:bodyPr/>
+          <a:lstStyle/>
+          <a:p>
+            <a:r>
+              <a:rPr lang="en-US" altLang="zh-CN" sz="2000" b="1" i="0" u="none" strike="noStrike" baseline="0" dirty="0">
+                <a:latin typeface="Arial" panose="020B0604020202020204" pitchFamily="34" charset="0"/>
+                <a:cs typeface="Arial" panose="020B0604020202020204" pitchFamily="34" charset="0"/>
+              </a:rPr>
+              <a:t>Geodetic and Seismic Sensor Module (GSSM)</a:t>
+            </a:r>
+            <a:endParaRPr lang="zh-CN" altLang="en-US" sz="3600" b="1" dirty="0">
+              <a:latin typeface="Arial" panose="020B0604020202020204" pitchFamily="34" charset="0"/>
+              <a:ea typeface="宋体" panose="02010600030101010101" pitchFamily="2" charset="-122"/>
+              <a:cs typeface="Arial" panose="020B0604020202020204" pitchFamily="34" charset="0"/>
+            </a:endParaRPr>
+          </a:p>
+        </p:txBody>
+      </p:sp>
+      <p:sp>
+        <p:nvSpPr>
+          <p:cNvPr id="5126" name="灯片编号占位符 1">
+            <a:extLst>
+              <a:ext uri="{FF2B5EF4-FFF2-40B4-BE49-F238E27FC236}">
+                <a16:creationId xmlns:a16="http://schemas.microsoft.com/office/drawing/2014/main" id="{8E4D0E94-97AC-4DED-91D4-208828BE788A}"/>
+              </a:ext>
+            </a:extLst>
+          </p:cNvPr>
+          <p:cNvSpPr>
+            <a:spLocks noGrp="1" noChangeArrowheads="1"/>
+          </p:cNvSpPr>
+          <p:nvPr>
+            <p:ph type="sldNum" sz="quarter" idx="12"/>
+          </p:nvPr>
+        </p:nvSpPr>
+        <p:spPr>
+          <a:noFill/>
+          <a:ln/>
+          <a:extLst>
+            <a:ext uri="{909E8E84-426E-40DD-AFC4-6F175D3DCCD1}">
+              <a14:hiddenFill xmlns:a14="http://schemas.microsoft.com/office/drawing/2010/main">
+                <a:solidFill>
+                  <a:srgbClr val="FFFFFF"/>
+                </a:solidFill>
+              </a14:hiddenFill>
+            </a:ext>
+            <a:ext uri="{91240B29-F687-4F45-9708-019B960494DF}">
+              <a14:hiddenLine xmlns:a14="http://schemas.microsoft.com/office/drawing/2010/main" w="9525">
+                <a:solidFill>
+                  <a:srgbClr val="000000"/>
+                </a:solidFill>
+                <a:miter lim="800000"/>
+                <a:headEnd/>
+                <a:tailEnd/>
+              </a14:hiddenLine>
+            </a:ext>
+          </a:extLst>
+        </p:spPr>
+        <p:txBody>
+          <a:bodyPr/>
+          <a:lstStyle>
+            <a:lvl1pPr>
+              <a:defRPr sz="3200">
+                <a:solidFill>
+                  <a:schemeClr val="tx1"/>
+                </a:solidFill>
+                <a:latin typeface="Times New Roman" panose="02020603050405020304" pitchFamily="18" charset="0"/>
+              </a:defRPr>
+            </a:lvl1pPr>
+            <a:lvl2pPr marL="742950" indent="-285750">
+              <a:defRPr sz="3200">
+                <a:solidFill>
+                  <a:schemeClr val="tx1"/>
+                </a:solidFill>
+                <a:latin typeface="Times New Roman" panose="02020603050405020304" pitchFamily="18" charset="0"/>
+              </a:defRPr>
+            </a:lvl2pPr>
+            <a:lvl3pPr marL="1143000" indent="-228600">
+              <a:defRPr sz="3200">
+                <a:solidFill>
+                  <a:schemeClr val="tx1"/>
+                </a:solidFill>
+                <a:latin typeface="Times New Roman" panose="02020603050405020304" pitchFamily="18" charset="0"/>
+              </a:defRPr>
+            </a:lvl3pPr>
+            <a:lvl4pPr marL="1600200" indent="-228600">
+              <a:defRPr sz="3200">
+                <a:solidFill>
+                  <a:schemeClr val="tx1"/>
+                </a:solidFill>
+                <a:latin typeface="Times New Roman" panose="02020603050405020304" pitchFamily="18" charset="0"/>
+              </a:defRPr>
+            </a:lvl4pPr>
+            <a:lvl5pPr marL="2057400" indent="-228600">
+              <a:defRPr sz="3200">
+                <a:solidFill>
+                  <a:schemeClr val="tx1"/>
+                </a:solidFill>
+                <a:latin typeface="Times New Roman" panose="02020603050405020304" pitchFamily="18" charset="0"/>
+              </a:defRPr>
+            </a:lvl5pPr>
+            <a:lvl6pPr marL="2514600" indent="-228600" eaLnBrk="0" fontAlgn="base" hangingPunct="0">
+              <a:spcBef>
+                <a:spcPct val="0"/>
+              </a:spcBef>
+              <a:spcAft>
+                <a:spcPct val="0"/>
+              </a:spcAft>
+              <a:defRPr sz="3200">
+                <a:solidFill>
+                  <a:schemeClr val="tx1"/>
+                </a:solidFill>
+                <a:latin typeface="Times New Roman" panose="02020603050405020304" pitchFamily="18" charset="0"/>
+              </a:defRPr>
+            </a:lvl6pPr>
+            <a:lvl7pPr marL="2971800" indent="-228600" eaLnBrk="0" fontAlgn="base" hangingPunct="0">
+              <a:spcBef>
+                <a:spcPct val="0"/>
+              </a:spcBef>
+              <a:spcAft>
+                <a:spcPct val="0"/>
+              </a:spcAft>
+              <a:defRPr sz="3200">
+                <a:solidFill>
+                  <a:schemeClr val="tx1"/>
+                </a:solidFill>
+                <a:latin typeface="Times New Roman" panose="02020603050405020304" pitchFamily="18" charset="0"/>
+              </a:defRPr>
+            </a:lvl7pPr>
+            <a:lvl8pPr marL="3429000" indent="-228600" eaLnBrk="0" fontAlgn="base" hangingPunct="0">
+              <a:spcBef>
+                <a:spcPct val="0"/>
+              </a:spcBef>
+              <a:spcAft>
+                <a:spcPct val="0"/>
+              </a:spcAft>
+              <a:defRPr sz="3200">
+                <a:solidFill>
+                  <a:schemeClr val="tx1"/>
+                </a:solidFill>
+                <a:latin typeface="Times New Roman" panose="02020603050405020304" pitchFamily="18" charset="0"/>
+              </a:defRPr>
+            </a:lvl8pPr>
+            <a:lvl9pPr marL="3886200" indent="-228600" eaLnBrk="0" fontAlgn="base" hangingPunct="0">
+              <a:spcBef>
+                <a:spcPct val="0"/>
+              </a:spcBef>
+              <a:spcAft>
+                <a:spcPct val="0"/>
+              </a:spcAft>
+              <a:defRPr sz="3200">
+                <a:solidFill>
+                  <a:schemeClr val="tx1"/>
+                </a:solidFill>
+                <a:latin typeface="Times New Roman" panose="02020603050405020304" pitchFamily="18" charset="0"/>
+              </a:defRPr>
+            </a:lvl9pPr>
+          </a:lstStyle>
+          <a:p>
+            <a:fld id="{6D0A10ED-3AE5-4163-A166-BD1A2570B60D}" type="slidenum">
+              <a:rPr lang="de-DE" altLang="en-US" sz="1400" smtClean="0">
+                <a:solidFill>
+                  <a:srgbClr val="4D4D4D"/>
+                </a:solidFill>
+                <a:latin typeface="Univers" panose="020B0503020202020204" pitchFamily="34" charset="0"/>
+              </a:rPr>
+              <a:pPr/>
+              <a:t>6</a:t>
+            </a:fld>
+            <a:endParaRPr lang="de-DE" altLang="en-US" sz="1400">
+              <a:solidFill>
+                <a:srgbClr val="4D4D4D"/>
+              </a:solidFill>
+              <a:latin typeface="Univers" panose="020B0503020202020204" pitchFamily="34" charset="0"/>
+            </a:endParaRPr>
+          </a:p>
+        </p:txBody>
+      </p:sp>
+      <p:pic>
+        <p:nvPicPr>
+          <p:cNvPr id="6" name="内容占位符 5" descr="图片包含 形状&#10;&#10;描述已自动生成">
+            <a:extLst>
+              <a:ext uri="{FF2B5EF4-FFF2-40B4-BE49-F238E27FC236}">
+                <a16:creationId xmlns:a16="http://schemas.microsoft.com/office/drawing/2014/main" id="{116055E0-00B2-4BCE-A20B-53F0EDDE3735}"/>
+              </a:ext>
+            </a:extLst>
+          </p:cNvPr>
+          <p:cNvPicPr>
+            <a:picLocks noGrp="1" noChangeAspect="1"/>
+          </p:cNvPicPr>
+          <p:nvPr>
+            <p:ph idx="1"/>
+          </p:nvPr>
+        </p:nvPicPr>
+        <p:blipFill>
+          <a:blip r:embed="rId2">
+            <a:extLst>
+              <a:ext uri="{28A0092B-C50C-407E-A947-70E740481C1C}">
+                <a14:useLocalDpi xmlns:a14="http://schemas.microsoft.com/office/drawing/2010/main" val="0"/>
+              </a:ext>
+            </a:extLst>
+          </a:blip>
+          <a:stretch>
+            <a:fillRect/>
+          </a:stretch>
+        </p:blipFill>
+        <p:spPr>
+          <a:xfrm>
+            <a:off x="-229956" y="1596152"/>
+            <a:ext cx="9554484" cy="4787194"/>
+          </a:xfrm>
+          <a:prstGeom prst="rect">
+            <a:avLst/>
+          </a:prstGeom>
+        </p:spPr>
+      </p:pic>
+    </p:spTree>
+    <p:extLst>
+      <p:ext uri="{BB962C8B-B14F-4D97-AF65-F5344CB8AC3E}">
+        <p14:creationId xmlns:p14="http://schemas.microsoft.com/office/powerpoint/2010/main" val="1913658756"/>
+      </p:ext>
+    </p:extLst>
+  </p:cSld>
+  <p:clrMapOvr>
+    <a:masterClrMapping/>
+  </p:clrMapOvr>
+</p:sld>
+</file>
+
+<file path=ppt/slides/slide7.xml><?xml version="1.0" encoding="utf-8"?>
+<p:sld xmlns:a="http://schemas.openxmlformats.org/drawingml/2006/main" xmlns:r="http://schemas.openxmlformats.org/officeDocument/2006/relationships" xmlns:p="http://schemas.openxmlformats.org/presentationml/2006/main">
+  <p:cSld>
+    <p:spTree>
+      <p:nvGrpSpPr>
+        <p:cNvPr id="1" name=""/>
+        <p:cNvGrpSpPr/>
+        <p:nvPr/>
+      </p:nvGrpSpPr>
+      <p:grpSpPr>
+        <a:xfrm>
+          <a:off x="0" y="0"/>
+          <a:ext cx="0" cy="0"/>
+          <a:chOff x="0" y="0"/>
+          <a:chExt cx="0" cy="0"/>
+        </a:xfrm>
+      </p:grpSpPr>
+      <p:sp>
+        <p:nvSpPr>
+          <p:cNvPr id="5122" name="标题 1">
+            <a:extLst>
+              <a:ext uri="{FF2B5EF4-FFF2-40B4-BE49-F238E27FC236}">
+                <a16:creationId xmlns:a16="http://schemas.microsoft.com/office/drawing/2014/main" id="{642DEB3C-240E-4909-B8A2-48B2D68C09AA}"/>
+              </a:ext>
+            </a:extLst>
+          </p:cNvPr>
+          <p:cNvSpPr>
+            <a:spLocks noGrp="1" noChangeArrowheads="1"/>
+          </p:cNvSpPr>
+          <p:nvPr>
+            <p:ph type="title"/>
+          </p:nvPr>
+        </p:nvSpPr>
+        <p:spPr/>
+        <p:txBody>
+          <a:bodyPr/>
+          <a:lstStyle/>
+          <a:p>
+            <a:r>
+              <a:rPr lang="en-US" altLang="zh-CN" sz="2000" b="1" i="0" u="none" strike="noStrike" baseline="0" dirty="0">
+                <a:latin typeface="Arial" panose="020B0604020202020204" pitchFamily="34" charset="0"/>
+                <a:cs typeface="Arial" panose="020B0604020202020204" pitchFamily="34" charset="0"/>
+              </a:rPr>
+              <a:t>Geodetic and Seismic Sensor Module (GSSM)</a:t>
+            </a:r>
+            <a:endParaRPr lang="zh-CN" altLang="en-US" sz="3600" b="1" dirty="0">
+              <a:latin typeface="Arial" panose="020B0604020202020204" pitchFamily="34" charset="0"/>
+              <a:ea typeface="宋体" panose="02010600030101010101" pitchFamily="2" charset="-122"/>
+              <a:cs typeface="Arial" panose="020B0604020202020204" pitchFamily="34" charset="0"/>
+            </a:endParaRPr>
+          </a:p>
+        </p:txBody>
+      </p:sp>
+      <p:sp>
+        <p:nvSpPr>
+          <p:cNvPr id="5126" name="灯片编号占位符 1">
+            <a:extLst>
+              <a:ext uri="{FF2B5EF4-FFF2-40B4-BE49-F238E27FC236}">
+                <a16:creationId xmlns:a16="http://schemas.microsoft.com/office/drawing/2014/main" id="{8E4D0E94-97AC-4DED-91D4-208828BE788A}"/>
+              </a:ext>
+            </a:extLst>
+          </p:cNvPr>
+          <p:cNvSpPr>
+            <a:spLocks noGrp="1" noChangeArrowheads="1"/>
+          </p:cNvSpPr>
+          <p:nvPr>
+            <p:ph type="sldNum" sz="quarter" idx="12"/>
+          </p:nvPr>
+        </p:nvSpPr>
+        <p:spPr>
+          <a:noFill/>
+          <a:ln/>
+          <a:extLst>
+            <a:ext uri="{909E8E84-426E-40DD-AFC4-6F175D3DCCD1}">
+              <a14:hiddenFill xmlns:a14="http://schemas.microsoft.com/office/drawing/2010/main">
+                <a:solidFill>
+                  <a:srgbClr val="FFFFFF"/>
+                </a:solidFill>
+              </a14:hiddenFill>
+            </a:ext>
+            <a:ext uri="{91240B29-F687-4F45-9708-019B960494DF}">
+              <a14:hiddenLine xmlns:a14="http://schemas.microsoft.com/office/drawing/2010/main" w="9525">
+                <a:solidFill>
+                  <a:srgbClr val="000000"/>
+                </a:solidFill>
+                <a:miter lim="800000"/>
+                <a:headEnd/>
+                <a:tailEnd/>
+              </a14:hiddenLine>
+            </a:ext>
+          </a:extLst>
+        </p:spPr>
+        <p:txBody>
+          <a:bodyPr/>
+          <a:lstStyle>
+            <a:lvl1pPr>
+              <a:defRPr sz="3200">
+                <a:solidFill>
+                  <a:schemeClr val="tx1"/>
+                </a:solidFill>
+                <a:latin typeface="Times New Roman" panose="02020603050405020304" pitchFamily="18" charset="0"/>
+              </a:defRPr>
+            </a:lvl1pPr>
+            <a:lvl2pPr marL="742950" indent="-285750">
+              <a:defRPr sz="3200">
+                <a:solidFill>
+                  <a:schemeClr val="tx1"/>
+                </a:solidFill>
+                <a:latin typeface="Times New Roman" panose="02020603050405020304" pitchFamily="18" charset="0"/>
+              </a:defRPr>
+            </a:lvl2pPr>
+            <a:lvl3pPr marL="1143000" indent="-228600">
+              <a:defRPr sz="3200">
+                <a:solidFill>
+                  <a:schemeClr val="tx1"/>
+                </a:solidFill>
+                <a:latin typeface="Times New Roman" panose="02020603050405020304" pitchFamily="18" charset="0"/>
+              </a:defRPr>
+            </a:lvl3pPr>
+            <a:lvl4pPr marL="1600200" indent="-228600">
+              <a:defRPr sz="3200">
+                <a:solidFill>
+                  <a:schemeClr val="tx1"/>
+                </a:solidFill>
+                <a:latin typeface="Times New Roman" panose="02020603050405020304" pitchFamily="18" charset="0"/>
+              </a:defRPr>
+            </a:lvl4pPr>
+            <a:lvl5pPr marL="2057400" indent="-228600">
+              <a:defRPr sz="3200">
+                <a:solidFill>
+                  <a:schemeClr val="tx1"/>
+                </a:solidFill>
+                <a:latin typeface="Times New Roman" panose="02020603050405020304" pitchFamily="18" charset="0"/>
+              </a:defRPr>
+            </a:lvl5pPr>
+            <a:lvl6pPr marL="2514600" indent="-228600" eaLnBrk="0" fontAlgn="base" hangingPunct="0">
+              <a:spcBef>
+                <a:spcPct val="0"/>
+              </a:spcBef>
+              <a:spcAft>
+                <a:spcPct val="0"/>
+              </a:spcAft>
+              <a:defRPr sz="3200">
+                <a:solidFill>
+                  <a:schemeClr val="tx1"/>
+                </a:solidFill>
+                <a:latin typeface="Times New Roman" panose="02020603050405020304" pitchFamily="18" charset="0"/>
+              </a:defRPr>
+            </a:lvl6pPr>
+            <a:lvl7pPr marL="2971800" indent="-228600" eaLnBrk="0" fontAlgn="base" hangingPunct="0">
+              <a:spcBef>
+                <a:spcPct val="0"/>
+              </a:spcBef>
+              <a:spcAft>
+                <a:spcPct val="0"/>
+              </a:spcAft>
+              <a:defRPr sz="3200">
+                <a:solidFill>
+                  <a:schemeClr val="tx1"/>
+                </a:solidFill>
+                <a:latin typeface="Times New Roman" panose="02020603050405020304" pitchFamily="18" charset="0"/>
+              </a:defRPr>
+            </a:lvl7pPr>
+            <a:lvl8pPr marL="3429000" indent="-228600" eaLnBrk="0" fontAlgn="base" hangingPunct="0">
+              <a:spcBef>
+                <a:spcPct val="0"/>
+              </a:spcBef>
+              <a:spcAft>
+                <a:spcPct val="0"/>
+              </a:spcAft>
+              <a:defRPr sz="3200">
+                <a:solidFill>
+                  <a:schemeClr val="tx1"/>
+                </a:solidFill>
+                <a:latin typeface="Times New Roman" panose="02020603050405020304" pitchFamily="18" charset="0"/>
+              </a:defRPr>
+            </a:lvl8pPr>
+            <a:lvl9pPr marL="3886200" indent="-228600" eaLnBrk="0" fontAlgn="base" hangingPunct="0">
+              <a:spcBef>
+                <a:spcPct val="0"/>
+              </a:spcBef>
+              <a:spcAft>
+                <a:spcPct val="0"/>
+              </a:spcAft>
+              <a:defRPr sz="3200">
+                <a:solidFill>
+                  <a:schemeClr val="tx1"/>
+                </a:solidFill>
+                <a:latin typeface="Times New Roman" panose="02020603050405020304" pitchFamily="18" charset="0"/>
+              </a:defRPr>
+            </a:lvl9pPr>
+          </a:lstStyle>
+          <a:p>
+            <a:fld id="{6D0A10ED-3AE5-4163-A166-BD1A2570B60D}" type="slidenum">
+              <a:rPr lang="de-DE" altLang="en-US" sz="1400" smtClean="0">
+                <a:solidFill>
+                  <a:srgbClr val="4D4D4D"/>
+                </a:solidFill>
+                <a:latin typeface="Univers" panose="020B0503020202020204" pitchFamily="34" charset="0"/>
+              </a:rPr>
+              <a:pPr/>
+              <a:t>7</a:t>
+            </a:fld>
+            <a:endParaRPr lang="de-DE" altLang="en-US" sz="1400">
+              <a:solidFill>
+                <a:srgbClr val="4D4D4D"/>
+              </a:solidFill>
+              <a:latin typeface="Univers" panose="020B0503020202020204" pitchFamily="34" charset="0"/>
+            </a:endParaRPr>
+          </a:p>
+        </p:txBody>
+      </p:sp>
+      <p:sp>
+        <p:nvSpPr>
+          <p:cNvPr id="5" name="内容占位符 4">
+            <a:extLst>
+              <a:ext uri="{FF2B5EF4-FFF2-40B4-BE49-F238E27FC236}">
+                <a16:creationId xmlns:a16="http://schemas.microsoft.com/office/drawing/2014/main" id="{6ADCF86B-9366-4CDC-9A30-CBBCD17147B4}"/>
+              </a:ext>
+            </a:extLst>
+          </p:cNvPr>
+          <p:cNvSpPr>
+            <a:spLocks noGrp="1"/>
+          </p:cNvSpPr>
+          <p:nvPr>
+            <p:ph idx="1"/>
+          </p:nvPr>
+        </p:nvSpPr>
+        <p:spPr>
+          <a:xfrm>
+            <a:off x="684337" y="980728"/>
+            <a:ext cx="7772400" cy="4648200"/>
+          </a:xfrm>
+        </p:spPr>
+        <p:txBody>
+          <a:bodyPr/>
+          <a:lstStyle/>
+          <a:p>
+            <a:r>
+              <a:rPr lang="en-US" altLang="zh-CN" dirty="0"/>
+              <a:t>Difference between p1 and p2</a:t>
+            </a:r>
+            <a:endParaRPr lang="zh-CN" altLang="en-US" dirty="0"/>
+          </a:p>
+        </p:txBody>
+      </p:sp>
+      <p:pic>
+        <p:nvPicPr>
+          <p:cNvPr id="3" name="图片 2" descr="图表, 折线图&#10;&#10;描述已自动生成">
+            <a:extLst>
+              <a:ext uri="{FF2B5EF4-FFF2-40B4-BE49-F238E27FC236}">
+                <a16:creationId xmlns:a16="http://schemas.microsoft.com/office/drawing/2014/main" id="{F41A1D9B-34EC-42AF-B595-F49365384444}"/>
+              </a:ext>
+            </a:extLst>
+          </p:cNvPr>
+          <p:cNvPicPr>
+            <a:picLocks noChangeAspect="1"/>
+          </p:cNvPicPr>
+          <p:nvPr/>
+        </p:nvPicPr>
+        <p:blipFill>
+          <a:blip r:embed="rId2">
+            <a:extLst>
+              <a:ext uri="{28A0092B-C50C-407E-A947-70E740481C1C}">
+                <a14:useLocalDpi xmlns:a14="http://schemas.microsoft.com/office/drawing/2010/main" val="0"/>
+              </a:ext>
+            </a:extLst>
+          </a:blip>
+          <a:stretch>
+            <a:fillRect/>
+          </a:stretch>
+        </p:blipFill>
+        <p:spPr>
+          <a:xfrm>
+            <a:off x="323528" y="1666875"/>
+            <a:ext cx="9144000" cy="4581525"/>
+          </a:xfrm>
+          <a:prstGeom prst="rect">
+            <a:avLst/>
+          </a:prstGeom>
+        </p:spPr>
+      </p:pic>
+    </p:spTree>
+    <p:extLst>
+      <p:ext uri="{BB962C8B-B14F-4D97-AF65-F5344CB8AC3E}">
+        <p14:creationId xmlns:p14="http://schemas.microsoft.com/office/powerpoint/2010/main" val="1515568114"/>
       </p:ext>
     </p:extLst>
   </p:cSld>
